--- a/BEB802/poster.pptx
+++ b/BEB802/poster.pptx
@@ -4565,6 +4565,823 @@
               <a:t>Add Video Functionality</a:t>
             </a:r>
             <a:endParaRPr lang="en-AU" sz="4400" dirty="0"/>
+          </a:p>
+        </p:txBody>
+      </p:sp>
+      <p:pic>
+        <p:nvPicPr>
+          <p:cNvPr id="8" name="Picture 7"/>
+          <p:cNvPicPr>
+            <a:picLocks noChangeAspect="1"/>
+          </p:cNvPicPr>
+          <p:nvPr/>
+        </p:nvPicPr>
+        <p:blipFill rotWithShape="1">
+          <a:blip r:embed="rId2"/>
+          <a:srcRect l="35081" t="14572" r="29845" b="9004"/>
+          <a:stretch/>
+        </p:blipFill>
+        <p:spPr>
+          <a:xfrm>
+            <a:off x="7309024" y="9636186"/>
+            <a:ext cx="2243630" cy="2751603"/>
+          </a:xfrm>
+          <a:prstGeom prst="rect">
+            <a:avLst/>
+          </a:prstGeom>
+        </p:spPr>
+      </p:pic>
+      <p:pic>
+        <p:nvPicPr>
+          <p:cNvPr id="9" name="Picture 8"/>
+          <p:cNvPicPr>
+            <a:picLocks noChangeAspect="1"/>
+          </p:cNvPicPr>
+          <p:nvPr/>
+        </p:nvPicPr>
+        <p:blipFill rotWithShape="1">
+          <a:blip r:embed="rId3"/>
+          <a:srcRect l="12310" t="11580" r="12895" b="10115"/>
+          <a:stretch/>
+        </p:blipFill>
+        <p:spPr>
+          <a:xfrm>
+            <a:off x="3132560" y="5850955"/>
+            <a:ext cx="5348023" cy="3132594"/>
+          </a:xfrm>
+          <a:prstGeom prst="rect">
+            <a:avLst/>
+          </a:prstGeom>
+        </p:spPr>
+      </p:pic>
+      <p:cxnSp>
+        <p:nvCxnSpPr>
+          <p:cNvPr id="11" name="Straight Arrow Connector 10"/>
+          <p:cNvCxnSpPr/>
+          <p:nvPr/>
+        </p:nvCxnSpPr>
+        <p:spPr>
+          <a:xfrm flipH="1" flipV="1">
+            <a:off x="6804968" y="7867179"/>
+            <a:ext cx="1368152" cy="1584176"/>
+          </a:xfrm>
+          <a:prstGeom prst="straightConnector1">
+            <a:avLst/>
+          </a:prstGeom>
+          <a:ln>
+            <a:tailEnd type="arrow"/>
+          </a:ln>
+        </p:spPr>
+        <p:style>
+          <a:lnRef idx="2">
+            <a:schemeClr val="accent1"/>
+          </a:lnRef>
+          <a:fillRef idx="0">
+            <a:schemeClr val="accent1"/>
+          </a:fillRef>
+          <a:effectRef idx="1">
+            <a:schemeClr val="accent1"/>
+          </a:effectRef>
+          <a:fontRef idx="minor">
+            <a:schemeClr val="tx1"/>
+          </a:fontRef>
+        </p:style>
+      </p:cxnSp>
+      <p:pic>
+        <p:nvPicPr>
+          <p:cNvPr id="14" name="Picture 13"/>
+          <p:cNvPicPr>
+            <a:picLocks noChangeAspect="1"/>
+          </p:cNvPicPr>
+          <p:nvPr/>
+        </p:nvPicPr>
+        <p:blipFill rotWithShape="1">
+          <a:blip r:embed="rId4"/>
+          <a:srcRect t="9785"/>
+          <a:stretch/>
+        </p:blipFill>
+        <p:spPr>
+          <a:xfrm>
+            <a:off x="1980432" y="10284258"/>
+            <a:ext cx="3098800" cy="2188334"/>
+          </a:xfrm>
+          <a:prstGeom prst="rect">
+            <a:avLst/>
+          </a:prstGeom>
+          <a:ln>
+            <a:solidFill>
+              <a:schemeClr val="tx1"/>
+            </a:solidFill>
+          </a:ln>
+        </p:spPr>
+      </p:pic>
+      <p:cxnSp>
+        <p:nvCxnSpPr>
+          <p:cNvPr id="15" name="Straight Arrow Connector 14"/>
+          <p:cNvCxnSpPr/>
+          <p:nvPr/>
+        </p:nvCxnSpPr>
+        <p:spPr>
+          <a:xfrm flipV="1">
+            <a:off x="3492600" y="8299227"/>
+            <a:ext cx="2088232" cy="1800200"/>
+          </a:xfrm>
+          <a:prstGeom prst="straightConnector1">
+            <a:avLst/>
+          </a:prstGeom>
+          <a:ln>
+            <a:tailEnd type="arrow"/>
+          </a:ln>
+        </p:spPr>
+        <p:style>
+          <a:lnRef idx="2">
+            <a:schemeClr val="accent1"/>
+          </a:lnRef>
+          <a:fillRef idx="0">
+            <a:schemeClr val="accent1"/>
+          </a:fillRef>
+          <a:effectRef idx="1">
+            <a:schemeClr val="accent1"/>
+          </a:effectRef>
+          <a:fontRef idx="minor">
+            <a:schemeClr val="tx1"/>
+          </a:fontRef>
+        </p:style>
+      </p:cxnSp>
+      <p:sp>
+        <p:nvSpPr>
+          <p:cNvPr id="17" name="TextBox 16"/>
+          <p:cNvSpPr txBox="1"/>
+          <p:nvPr/>
+        </p:nvSpPr>
+        <p:spPr>
+          <a:xfrm>
+            <a:off x="2124448" y="4482803"/>
+            <a:ext cx="7056784" cy="1015663"/>
+          </a:xfrm>
+          <a:prstGeom prst="rect">
+            <a:avLst/>
+          </a:prstGeom>
+          <a:noFill/>
+        </p:spPr>
+        <p:txBody>
+          <a:bodyPr wrap="square" rtlCol="0">
+            <a:spAutoFit/>
+          </a:bodyPr>
+          <a:lstStyle/>
+          <a:p>
+            <a:pPr algn="ctr"/>
+            <a:r>
+              <a:rPr lang="en-US" sz="2000" dirty="0" smtClean="0"/>
+              <a:t>Process of extracting entities from a source. In case of a video, there are many types of entities. The main entities SAIVT focuses on are faces and speakers</a:t>
+            </a:r>
+            <a:endParaRPr lang="en-US" sz="2000" dirty="0"/>
+          </a:p>
+        </p:txBody>
+      </p:sp>
+      <p:sp>
+        <p:nvSpPr>
+          <p:cNvPr id="20" name="TextBox 19"/>
+          <p:cNvSpPr txBox="1"/>
+          <p:nvPr/>
+        </p:nvSpPr>
+        <p:spPr>
+          <a:xfrm>
+            <a:off x="1548384" y="12547699"/>
+            <a:ext cx="4104456" cy="1938992"/>
+          </a:xfrm>
+          <a:prstGeom prst="rect">
+            <a:avLst/>
+          </a:prstGeom>
+          <a:noFill/>
+        </p:spPr>
+        <p:txBody>
+          <a:bodyPr wrap="square" rtlCol="0">
+            <a:spAutoFit/>
+          </a:bodyPr>
+          <a:lstStyle/>
+          <a:p>
+            <a:pPr algn="ctr"/>
+            <a:r>
+              <a:rPr lang="en-AU" sz="2000" dirty="0"/>
+              <a:t>Speaker </a:t>
+            </a:r>
+            <a:r>
+              <a:rPr lang="en-AU" sz="2000" dirty="0" smtClean="0"/>
+              <a:t>detection and </a:t>
+            </a:r>
+            <a:r>
+              <a:rPr lang="en-AU" sz="2000" dirty="0" err="1" smtClean="0"/>
+              <a:t>diarisation</a:t>
+            </a:r>
+            <a:r>
+              <a:rPr lang="en-AU" sz="2000" dirty="0" smtClean="0"/>
+              <a:t> </a:t>
+            </a:r>
+            <a:r>
+              <a:rPr lang="en-AU" sz="2000" dirty="0"/>
+              <a:t>is defined as not only detecting when an individual is speaking but moreover the identification of the person, the individual, who is speaking. </a:t>
+            </a:r>
+            <a:endParaRPr lang="en-US" sz="2000" dirty="0"/>
+          </a:p>
+        </p:txBody>
+      </p:sp>
+      <p:sp>
+        <p:nvSpPr>
+          <p:cNvPr id="21" name="TextBox 20"/>
+          <p:cNvSpPr txBox="1"/>
+          <p:nvPr/>
+        </p:nvSpPr>
+        <p:spPr>
+          <a:xfrm>
+            <a:off x="6732960" y="12547699"/>
+            <a:ext cx="3528392" cy="1631216"/>
+          </a:xfrm>
+          <a:prstGeom prst="rect">
+            <a:avLst/>
+          </a:prstGeom>
+          <a:noFill/>
+        </p:spPr>
+        <p:txBody>
+          <a:bodyPr wrap="square" rtlCol="0">
+            <a:spAutoFit/>
+          </a:bodyPr>
+          <a:lstStyle/>
+          <a:p>
+            <a:pPr algn="ctr"/>
+            <a:r>
+              <a:rPr lang="en-AU" sz="2000" dirty="0" smtClean="0"/>
+              <a:t>Face recognition is the process of detecting faces and assigning a particular identity to that face in order to link the same person over different still images</a:t>
+            </a:r>
+            <a:endParaRPr lang="en-US" sz="2000" dirty="0"/>
+          </a:p>
+        </p:txBody>
+      </p:sp>
+      <p:graphicFrame>
+        <p:nvGraphicFramePr>
+          <p:cNvPr id="24" name="Table 23"/>
+          <p:cNvGraphicFramePr>
+            <a:graphicFrameLocks noGrp="1"/>
+          </p:cNvGraphicFramePr>
+          <p:nvPr>
+            <p:extLst>
+              <p:ext uri="{D42A27DB-BD31-4B8C-83A1-F6EECF244321}">
+                <p14:modId xmlns:p14="http://schemas.microsoft.com/office/powerpoint/2010/main" val="3237750079"/>
+              </p:ext>
+            </p:extLst>
+          </p:nvPr>
+        </p:nvGraphicFramePr>
+        <p:xfrm>
+          <a:off x="10909424" y="4482803"/>
+          <a:ext cx="9361040" cy="10801201"/>
+        </p:xfrm>
+        <a:graphic>
+          <a:graphicData uri="http://schemas.openxmlformats.org/drawingml/2006/table">
+            <a:tbl>
+              <a:tblPr firstRow="1" bandRow="1">
+                <a:tableStyleId>{5940675A-B579-460E-94D1-54222C63F5DA}</a:tableStyleId>
+              </a:tblPr>
+              <a:tblGrid>
+                <a:gridCol w="4680520"/>
+                <a:gridCol w="4680520"/>
+              </a:tblGrid>
+              <a:tr h="1429738">
+                <a:tc>
+                  <a:txBody>
+                    <a:bodyPr/>
+                    <a:lstStyle/>
+                    <a:p>
+                      <a:pPr algn="ctr"/>
+                      <a:r>
+                        <a:rPr lang="en-US" dirty="0" smtClean="0"/>
+                        <a:t>OLD</a:t>
+                      </a:r>
+                      <a:endParaRPr lang="en-US" dirty="0"/>
+                    </a:p>
+                  </a:txBody>
+                  <a:tcPr/>
+                </a:tc>
+                <a:tc>
+                  <a:txBody>
+                    <a:bodyPr/>
+                    <a:lstStyle/>
+                    <a:p>
+                      <a:pPr algn="ctr"/>
+                      <a:r>
+                        <a:rPr lang="en-US" dirty="0" smtClean="0"/>
+                        <a:t>NEW</a:t>
+                      </a:r>
+                      <a:endParaRPr lang="en-US" dirty="0"/>
+                    </a:p>
+                  </a:txBody>
+                  <a:tcPr/>
+                </a:tc>
+              </a:tr>
+              <a:tr h="3123821">
+                <a:tc>
+                  <a:txBody>
+                    <a:bodyPr/>
+                    <a:lstStyle/>
+                    <a:p>
+                      <a:endParaRPr lang="en-US" dirty="0"/>
+                    </a:p>
+                  </a:txBody>
+                  <a:tcPr/>
+                </a:tc>
+                <a:tc>
+                  <a:txBody>
+                    <a:bodyPr/>
+                    <a:lstStyle/>
+                    <a:p>
+                      <a:endParaRPr lang="en-US" dirty="0"/>
+                    </a:p>
+                  </a:txBody>
+                  <a:tcPr/>
+                </a:tc>
+              </a:tr>
+              <a:tr h="3123821">
+                <a:tc>
+                  <a:txBody>
+                    <a:bodyPr/>
+                    <a:lstStyle/>
+                    <a:p>
+                      <a:endParaRPr lang="en-US" dirty="0"/>
+                    </a:p>
+                  </a:txBody>
+                  <a:tcPr/>
+                </a:tc>
+                <a:tc>
+                  <a:txBody>
+                    <a:bodyPr/>
+                    <a:lstStyle/>
+                    <a:p>
+                      <a:endParaRPr lang="en-US" dirty="0"/>
+                    </a:p>
+                  </a:txBody>
+                  <a:tcPr/>
+                </a:tc>
+              </a:tr>
+              <a:tr h="3123821">
+                <a:tc>
+                  <a:txBody>
+                    <a:bodyPr/>
+                    <a:lstStyle/>
+                    <a:p>
+                      <a:endParaRPr lang="en-US" dirty="0"/>
+                    </a:p>
+                  </a:txBody>
+                  <a:tcPr/>
+                </a:tc>
+                <a:tc>
+                  <a:txBody>
+                    <a:bodyPr/>
+                    <a:lstStyle/>
+                    <a:p>
+                      <a:endParaRPr lang="en-US" dirty="0"/>
+                    </a:p>
+                  </a:txBody>
+                  <a:tcPr/>
+                </a:tc>
+              </a:tr>
+            </a:tbl>
+          </a:graphicData>
+        </a:graphic>
+      </p:graphicFrame>
+      <p:pic>
+        <p:nvPicPr>
+          <p:cNvPr id="25" name="Picture 24" descr="E:\A-Uni\BEB801\ScreenshotsForProgressReport\StylingEnhancements\r7712\Screen Shot 2014-05-16 at 9.40.45 PM.png"/>
+          <p:cNvPicPr/>
+          <p:nvPr/>
+        </p:nvPicPr>
+        <p:blipFill>
+          <a:blip r:embed="rId5" cstate="print"/>
+          <a:srcRect/>
+          <a:stretch>
+            <a:fillRect/>
+          </a:stretch>
+        </p:blipFill>
+        <p:spPr bwMode="auto">
+          <a:xfrm>
+            <a:off x="11053440" y="6066979"/>
+            <a:ext cx="4536504" cy="2808312"/>
+          </a:xfrm>
+          <a:prstGeom prst="rect">
+            <a:avLst/>
+          </a:prstGeom>
+          <a:noFill/>
+          <a:ln>
+            <a:noFill/>
+          </a:ln>
+        </p:spPr>
+      </p:pic>
+      <p:pic>
+        <p:nvPicPr>
+          <p:cNvPr id="26" name="Picture 25" descr="E:\A-Uni\BEB801\ScreenshotsForProgressReport\StylingEnhancements\r7992\Screen Shot 2014-05-16 at 9.39.58 PM.png"/>
+          <p:cNvPicPr/>
+          <p:nvPr/>
+        </p:nvPicPr>
+        <p:blipFill>
+          <a:blip r:embed="rId6" cstate="print"/>
+          <a:srcRect/>
+          <a:stretch>
+            <a:fillRect/>
+          </a:stretch>
+        </p:blipFill>
+        <p:spPr bwMode="auto">
+          <a:xfrm>
+            <a:off x="15661952" y="6066979"/>
+            <a:ext cx="4536504" cy="2808312"/>
+          </a:xfrm>
+          <a:prstGeom prst="rect">
+            <a:avLst/>
+          </a:prstGeom>
+          <a:noFill/>
+          <a:ln>
+            <a:noFill/>
+          </a:ln>
+        </p:spPr>
+      </p:pic>
+      <p:pic>
+        <p:nvPicPr>
+          <p:cNvPr id="27" name="Picture 26" descr="E:\A-Uni\BEB801\ScreenshotsForProgressReport\StylingEnhancements\r7712\Screen Shot 2014-05-16 at 9.42.07 PM.png"/>
+          <p:cNvPicPr/>
+          <p:nvPr/>
+        </p:nvPicPr>
+        <p:blipFill>
+          <a:blip r:embed="rId7" cstate="print"/>
+          <a:srcRect l="8335" r="4782"/>
+          <a:stretch>
+            <a:fillRect/>
+          </a:stretch>
+        </p:blipFill>
+        <p:spPr bwMode="auto">
+          <a:xfrm>
+            <a:off x="10981432" y="9163323"/>
+            <a:ext cx="4536504" cy="2808312"/>
+          </a:xfrm>
+          <a:prstGeom prst="rect">
+            <a:avLst/>
+          </a:prstGeom>
+          <a:noFill/>
+          <a:ln>
+            <a:noFill/>
+          </a:ln>
+        </p:spPr>
+      </p:pic>
+      <p:pic>
+        <p:nvPicPr>
+          <p:cNvPr id="28" name="Picture 27" descr="E:\A-Uni\BEB801\ScreenshotsForProgressReport\StylingEnhancements\r7992\Screen Shot 2014-05-24 at 1.52.23 PM.png"/>
+          <p:cNvPicPr/>
+          <p:nvPr/>
+        </p:nvPicPr>
+        <p:blipFill>
+          <a:blip r:embed="rId8" cstate="print"/>
+          <a:srcRect/>
+          <a:stretch>
+            <a:fillRect/>
+          </a:stretch>
+        </p:blipFill>
+        <p:spPr bwMode="auto">
+          <a:xfrm>
+            <a:off x="15661952" y="9235331"/>
+            <a:ext cx="4536504" cy="2808312"/>
+          </a:xfrm>
+          <a:prstGeom prst="rect">
+            <a:avLst/>
+          </a:prstGeom>
+          <a:noFill/>
+          <a:ln>
+            <a:noFill/>
+          </a:ln>
+        </p:spPr>
+      </p:pic>
+      <p:pic>
+        <p:nvPicPr>
+          <p:cNvPr id="29" name="Picture 28" descr="E:\A-Uni\BEB801\ScreenshotsForProgressReport\StylingEnhancements\r7712\Screen Shot 2014-05-16 at 9.44.52 PM.png"/>
+          <p:cNvPicPr/>
+          <p:nvPr/>
+        </p:nvPicPr>
+        <p:blipFill>
+          <a:blip r:embed="rId9" cstate="print"/>
+          <a:srcRect/>
+          <a:stretch>
+            <a:fillRect/>
+          </a:stretch>
+        </p:blipFill>
+        <p:spPr bwMode="auto">
+          <a:xfrm>
+            <a:off x="10981431" y="12763723"/>
+            <a:ext cx="4536505" cy="1800225"/>
+          </a:xfrm>
+          <a:prstGeom prst="rect">
+            <a:avLst/>
+          </a:prstGeom>
+          <a:noFill/>
+          <a:ln>
+            <a:noFill/>
+          </a:ln>
+        </p:spPr>
+      </p:pic>
+      <p:pic>
+        <p:nvPicPr>
+          <p:cNvPr id="30" name="Picture 29" descr="E:\A-Uni\BEB801\ScreenshotsForProgressReport\StylingEnhancements\r7992\Screen Shot 2014-05-16 at 9.45.06 PM.png"/>
+          <p:cNvPicPr/>
+          <p:nvPr/>
+        </p:nvPicPr>
+        <p:blipFill>
+          <a:blip r:embed="rId10" cstate="print"/>
+          <a:srcRect/>
+          <a:stretch>
+            <a:fillRect/>
+          </a:stretch>
+        </p:blipFill>
+        <p:spPr bwMode="auto">
+          <a:xfrm>
+            <a:off x="15661953" y="12835731"/>
+            <a:ext cx="4536504" cy="1512168"/>
+          </a:xfrm>
+          <a:prstGeom prst="rect">
+            <a:avLst/>
+          </a:prstGeom>
+          <a:noFill/>
+          <a:ln>
+            <a:noFill/>
+          </a:ln>
+        </p:spPr>
+      </p:pic>
+      <p:pic>
+        <p:nvPicPr>
+          <p:cNvPr id="32" name="Picture 31"/>
+          <p:cNvPicPr>
+            <a:picLocks noChangeAspect="1"/>
+          </p:cNvPicPr>
+          <p:nvPr/>
+        </p:nvPicPr>
+        <p:blipFill>
+          <a:blip r:embed="rId11"/>
+          <a:stretch>
+            <a:fillRect/>
+          </a:stretch>
+        </p:blipFill>
+        <p:spPr>
+          <a:xfrm>
+            <a:off x="1620392" y="17084203"/>
+            <a:ext cx="6223242" cy="4248472"/>
+          </a:xfrm>
+          <a:prstGeom prst="rect">
+            <a:avLst/>
+          </a:prstGeom>
+        </p:spPr>
+      </p:pic>
+      <p:pic>
+        <p:nvPicPr>
+          <p:cNvPr id="33" name="Picture 32"/>
+          <p:cNvPicPr>
+            <a:picLocks noChangeAspect="1"/>
+          </p:cNvPicPr>
+          <p:nvPr/>
+        </p:nvPicPr>
+        <p:blipFill>
+          <a:blip r:embed="rId12"/>
+          <a:stretch>
+            <a:fillRect/>
+          </a:stretch>
+        </p:blipFill>
+        <p:spPr>
+          <a:xfrm>
+            <a:off x="3924648" y="21980747"/>
+            <a:ext cx="6310261" cy="5040560"/>
+          </a:xfrm>
+          <a:prstGeom prst="rect">
+            <a:avLst/>
+          </a:prstGeom>
+        </p:spPr>
+      </p:pic>
+      <p:pic>
+        <p:nvPicPr>
+          <p:cNvPr id="34" name="Picture 33" descr="E:\A-Uni\BEB801\ScreenshotsForProgressReport\AddVideo\r7992\Screen Shot 2014-05-16 at 10.03.34 PM.png"/>
+          <p:cNvPicPr/>
+          <p:nvPr/>
+        </p:nvPicPr>
+        <p:blipFill>
+          <a:blip r:embed="rId13" cstate="print"/>
+          <a:srcRect/>
+          <a:stretch>
+            <a:fillRect/>
+          </a:stretch>
+        </p:blipFill>
+        <p:spPr bwMode="auto">
+          <a:xfrm>
+            <a:off x="11341472" y="16868179"/>
+            <a:ext cx="8496944" cy="3096344"/>
+          </a:xfrm>
+          <a:prstGeom prst="rect">
+            <a:avLst/>
+          </a:prstGeom>
+          <a:noFill/>
+          <a:ln>
+            <a:solidFill>
+              <a:srgbClr val="000000"/>
+            </a:solidFill>
+          </a:ln>
+        </p:spPr>
+      </p:pic>
+      <p:pic>
+        <p:nvPicPr>
+          <p:cNvPr id="35" name="Picture 34" descr="E:\A-Uni\BEB801\ScreenshotsForProgressReport\AddVideo\r7992\Screen Shot 2014-05-16 at 10.06.22 PM.png"/>
+          <p:cNvPicPr/>
+          <p:nvPr/>
+        </p:nvPicPr>
+        <p:blipFill>
+          <a:blip r:embed="rId14" cstate="print"/>
+          <a:srcRect/>
+          <a:stretch>
+            <a:fillRect/>
+          </a:stretch>
+        </p:blipFill>
+        <p:spPr bwMode="auto">
+          <a:xfrm>
+            <a:off x="11413480" y="20396571"/>
+            <a:ext cx="8424936" cy="792088"/>
+          </a:xfrm>
+          <a:prstGeom prst="rect">
+            <a:avLst/>
+          </a:prstGeom>
+          <a:noFill/>
+          <a:ln>
+            <a:solidFill>
+              <a:srgbClr val="000000"/>
+            </a:solidFill>
+          </a:ln>
+        </p:spPr>
+      </p:pic>
+      <p:pic>
+        <p:nvPicPr>
+          <p:cNvPr id="36" name="Picture 35" descr="E:\A-Uni\BEB801\ScreenshotsForProgressReport\AddVideo\r7992\Screen Shot 2014-05-16 at 10.07.22 PM.png"/>
+          <p:cNvPicPr/>
+          <p:nvPr/>
+        </p:nvPicPr>
+        <p:blipFill>
+          <a:blip r:embed="rId15" cstate="print"/>
+          <a:srcRect/>
+          <a:stretch>
+            <a:fillRect/>
+          </a:stretch>
+        </p:blipFill>
+        <p:spPr bwMode="auto">
+          <a:xfrm>
+            <a:off x="11413480" y="21764723"/>
+            <a:ext cx="8424936" cy="864096"/>
+          </a:xfrm>
+          <a:prstGeom prst="rect">
+            <a:avLst/>
+          </a:prstGeom>
+          <a:noFill/>
+          <a:ln>
+            <a:solidFill>
+              <a:srgbClr val="000000"/>
+            </a:solidFill>
+          </a:ln>
+        </p:spPr>
+      </p:pic>
+      <p:pic>
+        <p:nvPicPr>
+          <p:cNvPr id="37" name="Picture 36" descr="E:\A-Uni\BEB801\ScreenshotsForProgressReport\AddVideo\r7992\Screen Shot 2014-05-16 at 10.09.41 PM.png"/>
+          <p:cNvPicPr/>
+          <p:nvPr/>
+        </p:nvPicPr>
+        <p:blipFill>
+          <a:blip r:embed="rId16" cstate="print"/>
+          <a:srcRect/>
+          <a:stretch>
+            <a:fillRect/>
+          </a:stretch>
+        </p:blipFill>
+        <p:spPr bwMode="auto">
+          <a:xfrm>
+            <a:off x="11413480" y="22916851"/>
+            <a:ext cx="8424936" cy="4392488"/>
+          </a:xfrm>
+          <a:prstGeom prst="rect">
+            <a:avLst/>
+          </a:prstGeom>
+          <a:noFill/>
+          <a:ln>
+            <a:solidFill>
+              <a:srgbClr val="000000"/>
+            </a:solidFill>
+          </a:ln>
+        </p:spPr>
+      </p:pic>
+      <p:sp>
+        <p:nvSpPr>
+          <p:cNvPr id="39" name="TextBox 38"/>
+          <p:cNvSpPr txBox="1"/>
+          <p:nvPr/>
+        </p:nvSpPr>
+        <p:spPr>
+          <a:xfrm>
+            <a:off x="6804968" y="17012195"/>
+            <a:ext cx="1080120" cy="1872208"/>
+          </a:xfrm>
+          <a:prstGeom prst="rect">
+            <a:avLst/>
+          </a:prstGeom>
+          <a:solidFill>
+            <a:srgbClr val="FFFFFF"/>
+          </a:solidFill>
+        </p:spPr>
+        <p:txBody>
+          <a:bodyPr wrap="square" rtlCol="0">
+            <a:spAutoFit/>
+          </a:bodyPr>
+          <a:lstStyle/>
+          <a:p>
+            <a:endParaRPr lang="en-US" dirty="0"/>
+          </a:p>
+        </p:txBody>
+      </p:sp>
+      <p:sp>
+        <p:nvSpPr>
+          <p:cNvPr id="40" name="TextBox 39"/>
+          <p:cNvSpPr txBox="1"/>
+          <p:nvPr/>
+        </p:nvSpPr>
+        <p:spPr>
+          <a:xfrm>
+            <a:off x="1548384" y="20684603"/>
+            <a:ext cx="3168352" cy="648072"/>
+          </a:xfrm>
+          <a:prstGeom prst="rect">
+            <a:avLst/>
+          </a:prstGeom>
+          <a:solidFill>
+            <a:srgbClr val="FFFFFF"/>
+          </a:solidFill>
+        </p:spPr>
+        <p:txBody>
+          <a:bodyPr wrap="square" rtlCol="0">
+            <a:spAutoFit/>
+          </a:bodyPr>
+          <a:lstStyle/>
+          <a:p>
+            <a:endParaRPr lang="en-US" dirty="0"/>
+          </a:p>
+        </p:txBody>
+      </p:sp>
+      <p:sp>
+        <p:nvSpPr>
+          <p:cNvPr id="41" name="TextBox 40"/>
+          <p:cNvSpPr txBox="1"/>
+          <p:nvPr/>
+        </p:nvSpPr>
+        <p:spPr>
+          <a:xfrm>
+            <a:off x="3492600" y="25077091"/>
+            <a:ext cx="2664296" cy="1944216"/>
+          </a:xfrm>
+          <a:prstGeom prst="rect">
+            <a:avLst/>
+          </a:prstGeom>
+          <a:solidFill>
+            <a:srgbClr val="FFFFFF"/>
+          </a:solidFill>
+        </p:spPr>
+        <p:txBody>
+          <a:bodyPr wrap="square" rtlCol="0">
+            <a:spAutoFit/>
+          </a:bodyPr>
+          <a:lstStyle/>
+          <a:p>
+            <a:endParaRPr lang="en-US" dirty="0"/>
+          </a:p>
+        </p:txBody>
+      </p:sp>
+      <p:sp>
+        <p:nvSpPr>
+          <p:cNvPr id="42" name="TextBox 41"/>
+          <p:cNvSpPr txBox="1"/>
+          <p:nvPr/>
+        </p:nvSpPr>
+        <p:spPr>
+          <a:xfrm>
+            <a:off x="8389144" y="21980747"/>
+            <a:ext cx="1872208" cy="2376264"/>
+          </a:xfrm>
+          <a:prstGeom prst="rect">
+            <a:avLst/>
+          </a:prstGeom>
+          <a:solidFill>
+            <a:srgbClr val="FFFFFF"/>
+          </a:solidFill>
+        </p:spPr>
+        <p:txBody>
+          <a:bodyPr wrap="square" rtlCol="0">
+            <a:spAutoFit/>
+          </a:bodyPr>
+          <a:lstStyle/>
+          <a:p>
+            <a:endParaRPr lang="en-US" dirty="0"/>
           </a:p>
         </p:txBody>
       </p:sp>

--- a/BEB802/poster.pptx
+++ b/BEB802/poster.pptx
@@ -5201,7 +5201,7 @@
         </p:blipFill>
         <p:spPr bwMode="auto">
           <a:xfrm>
-            <a:off x="11413480" y="20396571"/>
+            <a:off x="11341472" y="20108539"/>
             <a:ext cx="8424936" cy="792088"/>
           </a:xfrm>
           <a:prstGeom prst="rect">
@@ -5217,7 +5217,7 @@
       </p:pic>
       <p:pic>
         <p:nvPicPr>
-          <p:cNvPr id="36" name="Picture 35" descr="E:\A-Uni\BEB801\ScreenshotsForProgressReport\AddVideo\r7992\Screen Shot 2014-05-16 at 10.07.22 PM.png"/>
+          <p:cNvPr id="37" name="Picture 36" descr="E:\A-Uni\BEB801\ScreenshotsForProgressReport\AddVideo\r7992\Screen Shot 2014-05-16 at 10.09.41 PM.png"/>
           <p:cNvPicPr/>
           <p:nvPr/>
         </p:nvPicPr>
@@ -5230,8 +5230,8 @@
         </p:blipFill>
         <p:spPr bwMode="auto">
           <a:xfrm>
-            <a:off x="11413480" y="21764723"/>
-            <a:ext cx="8424936" cy="864096"/>
+            <a:off x="11413480" y="21116651"/>
+            <a:ext cx="4248472" cy="2520280"/>
           </a:xfrm>
           <a:prstGeom prst="rect">
             <a:avLst/>
@@ -5244,9 +5244,121 @@
           </a:ln>
         </p:spPr>
       </p:pic>
+      <p:sp>
+        <p:nvSpPr>
+          <p:cNvPr id="39" name="TextBox 38"/>
+          <p:cNvSpPr txBox="1"/>
+          <p:nvPr/>
+        </p:nvSpPr>
+        <p:spPr>
+          <a:xfrm>
+            <a:off x="6804968" y="17012195"/>
+            <a:ext cx="1080120" cy="1872208"/>
+          </a:xfrm>
+          <a:prstGeom prst="rect">
+            <a:avLst/>
+          </a:prstGeom>
+          <a:solidFill>
+            <a:srgbClr val="FFFFFF"/>
+          </a:solidFill>
+        </p:spPr>
+        <p:txBody>
+          <a:bodyPr wrap="square" rtlCol="0">
+            <a:spAutoFit/>
+          </a:bodyPr>
+          <a:lstStyle/>
+          <a:p>
+            <a:endParaRPr lang="en-US" dirty="0"/>
+          </a:p>
+        </p:txBody>
+      </p:sp>
+      <p:sp>
+        <p:nvSpPr>
+          <p:cNvPr id="40" name="TextBox 39"/>
+          <p:cNvSpPr txBox="1"/>
+          <p:nvPr/>
+        </p:nvSpPr>
+        <p:spPr>
+          <a:xfrm>
+            <a:off x="1548384" y="20684603"/>
+            <a:ext cx="3168352" cy="648072"/>
+          </a:xfrm>
+          <a:prstGeom prst="rect">
+            <a:avLst/>
+          </a:prstGeom>
+          <a:solidFill>
+            <a:srgbClr val="FFFFFF"/>
+          </a:solidFill>
+        </p:spPr>
+        <p:txBody>
+          <a:bodyPr wrap="square" rtlCol="0">
+            <a:spAutoFit/>
+          </a:bodyPr>
+          <a:lstStyle/>
+          <a:p>
+            <a:endParaRPr lang="en-US" dirty="0"/>
+          </a:p>
+        </p:txBody>
+      </p:sp>
+      <p:sp>
+        <p:nvSpPr>
+          <p:cNvPr id="41" name="TextBox 40"/>
+          <p:cNvSpPr txBox="1"/>
+          <p:nvPr/>
+        </p:nvSpPr>
+        <p:spPr>
+          <a:xfrm>
+            <a:off x="3492600" y="25077091"/>
+            <a:ext cx="2664296" cy="1944216"/>
+          </a:xfrm>
+          <a:prstGeom prst="rect">
+            <a:avLst/>
+          </a:prstGeom>
+          <a:solidFill>
+            <a:srgbClr val="FFFFFF"/>
+          </a:solidFill>
+        </p:spPr>
+        <p:txBody>
+          <a:bodyPr wrap="square" rtlCol="0">
+            <a:spAutoFit/>
+          </a:bodyPr>
+          <a:lstStyle/>
+          <a:p>
+            <a:endParaRPr lang="en-US" dirty="0"/>
+          </a:p>
+        </p:txBody>
+      </p:sp>
+      <p:sp>
+        <p:nvSpPr>
+          <p:cNvPr id="42" name="TextBox 41"/>
+          <p:cNvSpPr txBox="1"/>
+          <p:nvPr/>
+        </p:nvSpPr>
+        <p:spPr>
+          <a:xfrm>
+            <a:off x="8389144" y="21980747"/>
+            <a:ext cx="1872208" cy="2376264"/>
+          </a:xfrm>
+          <a:prstGeom prst="rect">
+            <a:avLst/>
+          </a:prstGeom>
+          <a:solidFill>
+            <a:srgbClr val="FFFFFF"/>
+          </a:solidFill>
+        </p:spPr>
+        <p:txBody>
+          <a:bodyPr wrap="square" rtlCol="0">
+            <a:spAutoFit/>
+          </a:bodyPr>
+          <a:lstStyle/>
+          <a:p>
+            <a:endParaRPr lang="en-US" dirty="0"/>
+          </a:p>
+        </p:txBody>
+      </p:sp>
       <p:pic>
         <p:nvPicPr>
-          <p:cNvPr id="37" name="Picture 36" descr="E:\A-Uni\BEB801\ScreenshotsForProgressReport\AddVideo\r7992\Screen Shot 2014-05-16 at 10.09.41 PM.png"/>
+          <p:cNvPr id="38" name="Picture 37" descr="E:\A-Uni\BEB801\ScreenshotsForProgressReport\AddVideo\r7992\Screen Shot 2014-05-24 at 1.52.54 PM.png"/>
           <p:cNvPicPr/>
           <p:nvPr/>
         </p:nvPicPr>
@@ -5259,8 +5371,83 @@
         </p:blipFill>
         <p:spPr bwMode="auto">
           <a:xfrm>
-            <a:off x="11413480" y="22916851"/>
-            <a:ext cx="8424936" cy="4392488"/>
+            <a:off x="16021992" y="21116651"/>
+            <a:ext cx="3744416" cy="2520280"/>
+          </a:xfrm>
+          <a:prstGeom prst="rect">
+            <a:avLst/>
+          </a:prstGeom>
+          <a:noFill/>
+          <a:ln>
+            <a:solidFill>
+              <a:schemeClr val="tx1"/>
+            </a:solidFill>
+          </a:ln>
+        </p:spPr>
+      </p:pic>
+      <p:pic>
+        <p:nvPicPr>
+          <p:cNvPr id="10" name="Picture 9"/>
+          <p:cNvPicPr>
+            <a:picLocks noChangeAspect="1"/>
+          </p:cNvPicPr>
+          <p:nvPr/>
+        </p:nvPicPr>
+        <p:blipFill>
+          <a:blip r:embed="rId17"/>
+          <a:stretch>
+            <a:fillRect/>
+          </a:stretch>
+        </p:blipFill>
+        <p:spPr>
+          <a:xfrm>
+            <a:off x="16094001" y="21620707"/>
+            <a:ext cx="1800200" cy="1224136"/>
+          </a:xfrm>
+          <a:prstGeom prst="rect">
+            <a:avLst/>
+          </a:prstGeom>
+        </p:spPr>
+      </p:pic>
+      <p:pic>
+        <p:nvPicPr>
+          <p:cNvPr id="12" name="Picture 11"/>
+          <p:cNvPicPr>
+            <a:picLocks noChangeAspect="1"/>
+          </p:cNvPicPr>
+          <p:nvPr/>
+        </p:nvPicPr>
+        <p:blipFill>
+          <a:blip r:embed="rId18"/>
+          <a:stretch>
+            <a:fillRect/>
+          </a:stretch>
+        </p:blipFill>
+        <p:spPr>
+          <a:xfrm>
+            <a:off x="13789744" y="23924963"/>
+            <a:ext cx="5976664" cy="3469356"/>
+          </a:xfrm>
+          <a:prstGeom prst="rect">
+            <a:avLst/>
+          </a:prstGeom>
+          <a:ln>
+            <a:solidFill>
+              <a:srgbClr val="000000"/>
+            </a:solidFill>
+          </a:ln>
+        </p:spPr>
+      </p:pic>
+      <p:sp>
+        <p:nvSpPr>
+          <p:cNvPr id="13" name="Rectangle 12"/>
+          <p:cNvSpPr/>
+          <p:nvPr/>
+        </p:nvSpPr>
+        <p:spPr>
+          <a:xfrm>
+            <a:off x="11413480" y="23924963"/>
+            <a:ext cx="2160240" cy="3456384"/>
           </a:xfrm>
           <a:prstGeom prst="rect">
             <a:avLst/>
@@ -5272,24 +5459,49 @@
             </a:solidFill>
           </a:ln>
         </p:spPr>
-      </p:pic>
-      <p:sp>
-        <p:nvSpPr>
-          <p:cNvPr id="39" name="TextBox 38"/>
+        <p:style>
+          <a:lnRef idx="1">
+            <a:schemeClr val="accent1"/>
+          </a:lnRef>
+          <a:fillRef idx="3">
+            <a:schemeClr val="accent1"/>
+          </a:fillRef>
+          <a:effectRef idx="2">
+            <a:schemeClr val="accent1"/>
+          </a:effectRef>
+          <a:fontRef idx="minor">
+            <a:schemeClr val="lt1"/>
+          </a:fontRef>
+        </p:style>
+        <p:txBody>
+          <a:bodyPr rtlCol="0" anchor="ctr"/>
+          <a:lstStyle/>
+          <a:p>
+            <a:pPr algn="ctr"/>
+            <a:endParaRPr lang="en-US"/>
+          </a:p>
+        </p:txBody>
+      </p:sp>
+      <p:sp>
+        <p:nvSpPr>
+          <p:cNvPr id="16" name="TextBox 15"/>
           <p:cNvSpPr txBox="1"/>
           <p:nvPr/>
         </p:nvSpPr>
         <p:spPr>
           <a:xfrm>
-            <a:off x="6804968" y="17012195"/>
-            <a:ext cx="1080120" cy="1872208"/>
+            <a:off x="11413480" y="23996971"/>
+            <a:ext cx="2160240" cy="369332"/>
           </a:xfrm>
           <a:prstGeom prst="rect">
             <a:avLst/>
           </a:prstGeom>
-          <a:solidFill>
-            <a:srgbClr val="FFFFFF"/>
-          </a:solidFill>
+          <a:noFill/>
+          <a:ln>
+            <a:solidFill>
+              <a:srgbClr val="000000"/>
+            </a:solidFill>
+          </a:ln>
         </p:spPr>
         <p:txBody>
           <a:bodyPr wrap="square" rtlCol="0">
@@ -5297,27 +5509,209 @@
           </a:bodyPr>
           <a:lstStyle/>
           <a:p>
-            <a:endParaRPr lang="en-US" dirty="0"/>
-          </a:p>
-        </p:txBody>
-      </p:sp>
-      <p:sp>
-        <p:nvSpPr>
-          <p:cNvPr id="40" name="TextBox 39"/>
+            <a:pPr algn="ctr"/>
+            <a:r>
+              <a:rPr lang="en-US" sz="1800" dirty="0" err="1" smtClean="0"/>
+              <a:t>Cron</a:t>
+            </a:r>
+            <a:r>
+              <a:rPr lang="en-US" sz="1800" dirty="0" smtClean="0"/>
+              <a:t> Job</a:t>
+            </a:r>
+            <a:endParaRPr lang="en-US" sz="1800" dirty="0"/>
+          </a:p>
+        </p:txBody>
+      </p:sp>
+      <p:sp>
+        <p:nvSpPr>
+          <p:cNvPr id="19" name="TextBox 18"/>
           <p:cNvSpPr txBox="1"/>
           <p:nvPr/>
         </p:nvSpPr>
         <p:spPr>
           <a:xfrm>
-            <a:off x="1548384" y="20684603"/>
-            <a:ext cx="3168352" cy="648072"/>
+            <a:off x="11701512" y="24800040"/>
+            <a:ext cx="1512168" cy="276999"/>
           </a:xfrm>
           <a:prstGeom prst="rect">
             <a:avLst/>
           </a:prstGeom>
-          <a:solidFill>
-            <a:srgbClr val="FFFFFF"/>
-          </a:solidFill>
+          <a:noFill/>
+          <a:ln>
+            <a:solidFill>
+              <a:srgbClr val="000000"/>
+            </a:solidFill>
+          </a:ln>
+        </p:spPr>
+        <p:txBody>
+          <a:bodyPr wrap="square" rtlCol="0" anchor="ctr">
+            <a:spAutoFit/>
+          </a:bodyPr>
+          <a:lstStyle/>
+          <a:p>
+            <a:pPr algn="ctr"/>
+            <a:r>
+              <a:rPr lang="sv-SE" sz="1200" dirty="0" smtClean="0"/>
+              <a:t>becks</a:t>
+            </a:r>
+            <a:r>
+              <a:rPr lang="en-US" sz="1200" dirty="0" smtClean="0"/>
+              <a:t>-1</a:t>
+            </a:r>
+            <a:endParaRPr lang="en-US" sz="1200" dirty="0"/>
+          </a:p>
+        </p:txBody>
+      </p:sp>
+      <p:sp>
+        <p:nvSpPr>
+          <p:cNvPr id="43" name="TextBox 42"/>
+          <p:cNvSpPr txBox="1"/>
+          <p:nvPr/>
+        </p:nvSpPr>
+        <p:spPr>
+          <a:xfrm>
+            <a:off x="11701512" y="26672250"/>
+            <a:ext cx="1512168" cy="276999"/>
+          </a:xfrm>
+          <a:prstGeom prst="rect">
+            <a:avLst/>
+          </a:prstGeom>
+          <a:noFill/>
+          <a:ln>
+            <a:solidFill>
+              <a:srgbClr val="000000"/>
+            </a:solidFill>
+          </a:ln>
+        </p:spPr>
+        <p:txBody>
+          <a:bodyPr wrap="square" rtlCol="0" anchor="ctr">
+            <a:spAutoFit/>
+          </a:bodyPr>
+          <a:lstStyle/>
+          <a:p>
+            <a:pPr algn="ctr"/>
+            <a:r>
+              <a:rPr lang="sv-SE" sz="1200" dirty="0" smtClean="0"/>
+              <a:t>lyra</a:t>
+            </a:r>
+            <a:endParaRPr lang="en-US" sz="1200" dirty="0"/>
+          </a:p>
+        </p:txBody>
+      </p:sp>
+      <p:cxnSp>
+        <p:nvCxnSpPr>
+          <p:cNvPr id="31" name="Straight Arrow Connector 30"/>
+          <p:cNvCxnSpPr/>
+          <p:nvPr/>
+        </p:nvCxnSpPr>
+        <p:spPr>
+          <a:xfrm>
+            <a:off x="11917536" y="25221107"/>
+            <a:ext cx="0" cy="1296144"/>
+          </a:xfrm>
+          <a:prstGeom prst="straightConnector1">
+            <a:avLst/>
+          </a:prstGeom>
+          <a:ln>
+            <a:tailEnd type="arrow"/>
+          </a:ln>
+        </p:spPr>
+        <p:style>
+          <a:lnRef idx="2">
+            <a:schemeClr val="accent1"/>
+          </a:lnRef>
+          <a:fillRef idx="0">
+            <a:schemeClr val="accent1"/>
+          </a:fillRef>
+          <a:effectRef idx="1">
+            <a:schemeClr val="accent1"/>
+          </a:effectRef>
+          <a:fontRef idx="minor">
+            <a:schemeClr val="tx1"/>
+          </a:fontRef>
+        </p:style>
+      </p:cxnSp>
+      <p:cxnSp>
+        <p:nvCxnSpPr>
+          <p:cNvPr id="45" name="Straight Arrow Connector 44"/>
+          <p:cNvCxnSpPr/>
+          <p:nvPr/>
+        </p:nvCxnSpPr>
+        <p:spPr>
+          <a:xfrm flipV="1">
+            <a:off x="12997656" y="25221107"/>
+            <a:ext cx="0" cy="1296144"/>
+          </a:xfrm>
+          <a:prstGeom prst="straightConnector1">
+            <a:avLst/>
+          </a:prstGeom>
+          <a:ln>
+            <a:tailEnd type="arrow"/>
+          </a:ln>
+        </p:spPr>
+        <p:style>
+          <a:lnRef idx="2">
+            <a:schemeClr val="accent1"/>
+          </a:lnRef>
+          <a:fillRef idx="0">
+            <a:schemeClr val="accent1"/>
+          </a:fillRef>
+          <a:effectRef idx="1">
+            <a:schemeClr val="accent1"/>
+          </a:effectRef>
+          <a:fontRef idx="minor">
+            <a:schemeClr val="tx1"/>
+          </a:fontRef>
+        </p:style>
+      </p:cxnSp>
+      <p:cxnSp>
+        <p:nvCxnSpPr>
+          <p:cNvPr id="47" name="Straight Arrow Connector 46"/>
+          <p:cNvCxnSpPr/>
+          <p:nvPr/>
+        </p:nvCxnSpPr>
+        <p:spPr>
+          <a:xfrm>
+            <a:off x="12133560" y="26517251"/>
+            <a:ext cx="720080" cy="0"/>
+          </a:xfrm>
+          <a:prstGeom prst="straightConnector1">
+            <a:avLst/>
+          </a:prstGeom>
+          <a:ln>
+            <a:tailEnd type="arrow"/>
+          </a:ln>
+        </p:spPr>
+        <p:style>
+          <a:lnRef idx="2">
+            <a:schemeClr val="accent1"/>
+          </a:lnRef>
+          <a:fillRef idx="0">
+            <a:schemeClr val="accent1"/>
+          </a:fillRef>
+          <a:effectRef idx="1">
+            <a:schemeClr val="accent1"/>
+          </a:effectRef>
+          <a:fontRef idx="minor">
+            <a:schemeClr val="tx1"/>
+          </a:fontRef>
+        </p:style>
+      </p:cxnSp>
+      <p:sp>
+        <p:nvSpPr>
+          <p:cNvPr id="48" name="TextBox 47"/>
+          <p:cNvSpPr txBox="1"/>
+          <p:nvPr/>
+        </p:nvSpPr>
+        <p:spPr>
+          <a:xfrm>
+            <a:off x="12133560" y="26229219"/>
+            <a:ext cx="792088" cy="276999"/>
+          </a:xfrm>
+          <a:prstGeom prst="rect">
+            <a:avLst/>
+          </a:prstGeom>
+          <a:noFill/>
         </p:spPr>
         <p:txBody>
           <a:bodyPr wrap="square" rtlCol="0">
@@ -5325,27 +5719,29 @@
           </a:bodyPr>
           <a:lstStyle/>
           <a:p>
-            <a:endParaRPr lang="en-US" dirty="0"/>
-          </a:p>
-        </p:txBody>
-      </p:sp>
-      <p:sp>
-        <p:nvSpPr>
-          <p:cNvPr id="41" name="TextBox 40"/>
+            <a:r>
+              <a:rPr lang="en-US" sz="1200" dirty="0" smtClean="0"/>
+              <a:t>Process</a:t>
+            </a:r>
+            <a:endParaRPr lang="en-US" sz="1200" dirty="0"/>
+          </a:p>
+        </p:txBody>
+      </p:sp>
+      <p:sp>
+        <p:nvSpPr>
+          <p:cNvPr id="49" name="TextBox 48"/>
           <p:cNvSpPr txBox="1"/>
           <p:nvPr/>
         </p:nvSpPr>
         <p:spPr>
           <a:xfrm>
-            <a:off x="3492600" y="25077091"/>
-            <a:ext cx="2664296" cy="1944216"/>
+            <a:off x="11485488" y="25653155"/>
+            <a:ext cx="792088" cy="646331"/>
           </a:xfrm>
           <a:prstGeom prst="rect">
             <a:avLst/>
           </a:prstGeom>
-          <a:solidFill>
-            <a:srgbClr val="FFFFFF"/>
-          </a:solidFill>
+          <a:noFill/>
         </p:spPr>
         <p:txBody>
           <a:bodyPr wrap="square" rtlCol="0">
@@ -5353,27 +5749,39 @@
           </a:bodyPr>
           <a:lstStyle/>
           <a:p>
-            <a:endParaRPr lang="en-US" dirty="0"/>
-          </a:p>
-        </p:txBody>
-      </p:sp>
-      <p:sp>
-        <p:nvSpPr>
-          <p:cNvPr id="42" name="TextBox 41"/>
+            <a:pPr algn="ctr"/>
+            <a:r>
+              <a:rPr lang="en-US" sz="1200" dirty="0" smtClean="0"/>
+              <a:t>Send</a:t>
+            </a:r>
+          </a:p>
+          <a:p>
+            <a:pPr algn="ctr"/>
+            <a:r>
+              <a:rPr lang="en-US" sz="1200" dirty="0" smtClean="0"/>
+              <a:t>Uploaded</a:t>
+            </a:r>
+          </a:p>
+          <a:p>
+            <a:endParaRPr lang="en-US" sz="1200" dirty="0" smtClean="0"/>
+          </a:p>
+        </p:txBody>
+      </p:sp>
+      <p:sp>
+        <p:nvSpPr>
+          <p:cNvPr id="50" name="TextBox 49"/>
           <p:cNvSpPr txBox="1"/>
           <p:nvPr/>
         </p:nvSpPr>
         <p:spPr>
           <a:xfrm>
-            <a:off x="8389144" y="21980747"/>
-            <a:ext cx="1872208" cy="2376264"/>
+            <a:off x="12493600" y="25581147"/>
+            <a:ext cx="936104" cy="461665"/>
           </a:xfrm>
           <a:prstGeom prst="rect">
             <a:avLst/>
           </a:prstGeom>
-          <a:solidFill>
-            <a:srgbClr val="FFFFFF"/>
-          </a:solidFill>
+          <a:noFill/>
         </p:spPr>
         <p:txBody>
           <a:bodyPr wrap="square" rtlCol="0">
@@ -5381,7 +5789,80 @@
           </a:bodyPr>
           <a:lstStyle/>
           <a:p>
-            <a:endParaRPr lang="en-US" dirty="0"/>
+            <a:pPr algn="ctr"/>
+            <a:r>
+              <a:rPr lang="en-US" sz="1200" dirty="0" smtClean="0"/>
+              <a:t>Get</a:t>
+            </a:r>
+            <a:br>
+              <a:rPr lang="en-US" sz="1200" dirty="0" smtClean="0"/>
+            </a:br>
+            <a:r>
+              <a:rPr lang="en-US" sz="1200" dirty="0" smtClean="0"/>
+              <a:t>Processed</a:t>
+            </a:r>
+          </a:p>
+        </p:txBody>
+      </p:sp>
+      <p:sp>
+        <p:nvSpPr>
+          <p:cNvPr id="51" name="TextBox 50"/>
+          <p:cNvSpPr txBox="1"/>
+          <p:nvPr/>
+        </p:nvSpPr>
+        <p:spPr>
+          <a:xfrm>
+            <a:off x="7813080" y="17084203"/>
+            <a:ext cx="2664296" cy="3477875"/>
+          </a:xfrm>
+          <a:prstGeom prst="rect">
+            <a:avLst/>
+          </a:prstGeom>
+          <a:noFill/>
+        </p:spPr>
+        <p:txBody>
+          <a:bodyPr wrap="square" rtlCol="0">
+            <a:spAutoFit/>
+          </a:bodyPr>
+          <a:lstStyle/>
+          <a:p>
+            <a:pPr algn="ctr"/>
+            <a:r>
+              <a:rPr lang="en-AU" sz="2000" dirty="0" smtClean="0"/>
+              <a:t>Previously the faces would be highlighted in the video as a result of some video encoding of a box around the faces. Now that has been replaced by HTML elements which sit on top of the video and allow for interaction with the user.</a:t>
+            </a:r>
+            <a:endParaRPr lang="en-US" sz="2000" dirty="0"/>
+          </a:p>
+        </p:txBody>
+      </p:sp>
+      <p:sp>
+        <p:nvSpPr>
+          <p:cNvPr id="52" name="TextBox 51"/>
+          <p:cNvSpPr txBox="1"/>
+          <p:nvPr/>
+        </p:nvSpPr>
+        <p:spPr>
+          <a:xfrm>
+            <a:off x="1188344" y="22628819"/>
+            <a:ext cx="2664296" cy="3170099"/>
+          </a:xfrm>
+          <a:prstGeom prst="rect">
+            <a:avLst/>
+          </a:prstGeom>
+          <a:noFill/>
+        </p:spPr>
+        <p:txBody>
+          <a:bodyPr wrap="square" rtlCol="0">
+            <a:spAutoFit/>
+          </a:bodyPr>
+          <a:lstStyle/>
+          <a:p>
+            <a:pPr algn="ctr"/>
+            <a:r>
+              <a:rPr lang="en-AU" sz="2000" dirty="0" smtClean="0"/>
+              <a:t>The only way to know who was the current speaker would be to check the speakers tab on the right hand side. Now the current speaker is shown under the video as an interactive HTML element.</a:t>
+            </a:r>
+            <a:endParaRPr lang="en-US" sz="2000" dirty="0"/>
           </a:p>
         </p:txBody>
       </p:sp>

--- a/BEB802/poster.pptx
+++ b/BEB802/poster.pptx
@@ -4963,7 +4963,7 @@
         <p:spPr bwMode="auto">
           <a:xfrm>
             <a:off x="11053440" y="6066979"/>
-            <a:ext cx="4536504" cy="2808312"/>
+            <a:ext cx="4464496" cy="2736304"/>
           </a:xfrm>
           <a:prstGeom prst="rect">
             <a:avLst/>
@@ -5230,7 +5230,7 @@
         </p:blipFill>
         <p:spPr bwMode="auto">
           <a:xfrm>
-            <a:off x="11413480" y="21116651"/>
+            <a:off x="11341472" y="21116651"/>
             <a:ext cx="4248472" cy="2520280"/>
           </a:xfrm>
           <a:prstGeom prst="rect">
@@ -5401,8 +5401,8 @@
         </p:blipFill>
         <p:spPr>
           <a:xfrm>
-            <a:off x="16094001" y="21620707"/>
-            <a:ext cx="1800200" cy="1224136"/>
+            <a:off x="16166008" y="21476691"/>
+            <a:ext cx="1728192" cy="1175171"/>
           </a:xfrm>
           <a:prstGeom prst="rect">
             <a:avLst/>
@@ -5446,7 +5446,7 @@
         </p:nvSpPr>
         <p:spPr>
           <a:xfrm>
-            <a:off x="11413480" y="23924963"/>
+            <a:off x="11341472" y="23924963"/>
             <a:ext cx="2160240" cy="3456384"/>
           </a:xfrm>
           <a:prstGeom prst="rect">
@@ -5490,7 +5490,7 @@
         </p:nvSpPr>
         <p:spPr>
           <a:xfrm>
-            <a:off x="11413480" y="23996971"/>
+            <a:off x="11341472" y="23996971"/>
             <a:ext cx="2160240" cy="369332"/>
           </a:xfrm>
           <a:prstGeom prst="rect">
@@ -5530,7 +5530,7 @@
         </p:nvSpPr>
         <p:spPr>
           <a:xfrm>
-            <a:off x="11701512" y="24800040"/>
+            <a:off x="11629504" y="24789059"/>
             <a:ext cx="1512168" cy="276999"/>
           </a:xfrm>
           <a:prstGeom prst="rect">
@@ -5570,7 +5570,7 @@
         </p:nvSpPr>
         <p:spPr>
           <a:xfrm>
-            <a:off x="11701512" y="26672250"/>
+            <a:off x="11629504" y="26661267"/>
             <a:ext cx="1512168" cy="276999"/>
           </a:xfrm>
           <a:prstGeom prst="rect">
@@ -5606,7 +5606,7 @@
         </p:nvCxnSpPr>
         <p:spPr>
           <a:xfrm>
-            <a:off x="11917536" y="25221107"/>
+            <a:off x="11845528" y="25221107"/>
             <a:ext cx="0" cy="1296144"/>
           </a:xfrm>
           <a:prstGeom prst="straightConnector1">
@@ -5672,8 +5672,8 @@
         </p:nvCxnSpPr>
         <p:spPr>
           <a:xfrm>
-            <a:off x="12133560" y="26517251"/>
-            <a:ext cx="720080" cy="0"/>
+            <a:off x="11989544" y="26517251"/>
+            <a:ext cx="864096" cy="0"/>
           </a:xfrm>
           <a:prstGeom prst="straightConnector1">
             <a:avLst/>
@@ -5705,7 +5705,7 @@
         </p:nvSpPr>
         <p:spPr>
           <a:xfrm>
-            <a:off x="12133560" y="26229219"/>
+            <a:off x="12061552" y="26229219"/>
             <a:ext cx="792088" cy="276999"/>
           </a:xfrm>
           <a:prstGeom prst="rect">
@@ -5735,7 +5735,7 @@
         </p:nvSpPr>
         <p:spPr>
           <a:xfrm>
-            <a:off x="11485488" y="25653155"/>
+            <a:off x="11413480" y="25653155"/>
             <a:ext cx="792088" cy="646331"/>
           </a:xfrm>
           <a:prstGeom prst="rect">

--- a/BEB802/poster.pptx
+++ b/BEB802/poster.pptx
@@ -192,7 +192,7 @@
           <a:p>
             <a:fld id="{DE877330-3B7D-4BEF-B557-5B1AE0A3F7BE}" type="datetimeFigureOut">
               <a:rPr lang="en-AU" smtClean="0"/>
-              <a:t>27/10/2014</a:t>
+              <a:t>28/10/2014</a:t>
             </a:fld>
             <a:endParaRPr lang="en-AU"/>
           </a:p>
@@ -641,7 +641,7 @@
           <a:p>
             <a:fld id="{CBED62B7-A59C-49BA-8607-B67BC401B26A}" type="datetimeFigureOut">
               <a:rPr lang="en-AU" smtClean="0"/>
-              <a:t>27/10/2014</a:t>
+              <a:t>28/10/2014</a:t>
             </a:fld>
             <a:endParaRPr lang="en-AU"/>
           </a:p>
@@ -811,7 +811,7 @@
           <a:p>
             <a:fld id="{CBED62B7-A59C-49BA-8607-B67BC401B26A}" type="datetimeFigureOut">
               <a:rPr lang="en-AU" smtClean="0"/>
-              <a:t>27/10/2014</a:t>
+              <a:t>28/10/2014</a:t>
             </a:fld>
             <a:endParaRPr lang="en-AU"/>
           </a:p>
@@ -991,7 +991,7 @@
           <a:p>
             <a:fld id="{CBED62B7-A59C-49BA-8607-B67BC401B26A}" type="datetimeFigureOut">
               <a:rPr lang="en-AU" smtClean="0"/>
-              <a:t>27/10/2014</a:t>
+              <a:t>28/10/2014</a:t>
             </a:fld>
             <a:endParaRPr lang="en-AU"/>
           </a:p>
@@ -1161,7 +1161,7 @@
           <a:p>
             <a:fld id="{CBED62B7-A59C-49BA-8607-B67BC401B26A}" type="datetimeFigureOut">
               <a:rPr lang="en-AU" smtClean="0"/>
-              <a:t>27/10/2014</a:t>
+              <a:t>28/10/2014</a:t>
             </a:fld>
             <a:endParaRPr lang="en-AU"/>
           </a:p>
@@ -1407,7 +1407,7 @@
           <a:p>
             <a:fld id="{CBED62B7-A59C-49BA-8607-B67BC401B26A}" type="datetimeFigureOut">
               <a:rPr lang="en-AU" smtClean="0"/>
-              <a:t>27/10/2014</a:t>
+              <a:t>28/10/2014</a:t>
             </a:fld>
             <a:endParaRPr lang="en-AU"/>
           </a:p>
@@ -1695,7 +1695,7 @@
           <a:p>
             <a:fld id="{CBED62B7-A59C-49BA-8607-B67BC401B26A}" type="datetimeFigureOut">
               <a:rPr lang="en-AU" smtClean="0"/>
-              <a:t>27/10/2014</a:t>
+              <a:t>28/10/2014</a:t>
             </a:fld>
             <a:endParaRPr lang="en-AU"/>
           </a:p>
@@ -2122,7 +2122,7 @@
           <a:p>
             <a:fld id="{CBED62B7-A59C-49BA-8607-B67BC401B26A}" type="datetimeFigureOut">
               <a:rPr lang="en-AU" smtClean="0"/>
-              <a:t>27/10/2014</a:t>
+              <a:t>28/10/2014</a:t>
             </a:fld>
             <a:endParaRPr lang="en-AU"/>
           </a:p>
@@ -2240,7 +2240,7 @@
           <a:p>
             <a:fld id="{CBED62B7-A59C-49BA-8607-B67BC401B26A}" type="datetimeFigureOut">
               <a:rPr lang="en-AU" smtClean="0"/>
-              <a:t>27/10/2014</a:t>
+              <a:t>28/10/2014</a:t>
             </a:fld>
             <a:endParaRPr lang="en-AU"/>
           </a:p>
@@ -2335,7 +2335,7 @@
           <a:p>
             <a:fld id="{CBED62B7-A59C-49BA-8607-B67BC401B26A}" type="datetimeFigureOut">
               <a:rPr lang="en-AU" smtClean="0"/>
-              <a:t>27/10/2014</a:t>
+              <a:t>28/10/2014</a:t>
             </a:fld>
             <a:endParaRPr lang="en-AU"/>
           </a:p>
@@ -2612,7 +2612,7 @@
           <a:p>
             <a:fld id="{CBED62B7-A59C-49BA-8607-B67BC401B26A}" type="datetimeFigureOut">
               <a:rPr lang="en-AU" smtClean="0"/>
-              <a:t>27/10/2014</a:t>
+              <a:t>28/10/2014</a:t>
             </a:fld>
             <a:endParaRPr lang="en-AU"/>
           </a:p>
@@ -2865,7 +2865,7 @@
           <a:p>
             <a:fld id="{CBED62B7-A59C-49BA-8607-B67BC401B26A}" type="datetimeFigureOut">
               <a:rPr lang="en-AU" smtClean="0"/>
-              <a:t>27/10/2014</a:t>
+              <a:t>28/10/2014</a:t>
             </a:fld>
             <a:endParaRPr lang="en-AU"/>
           </a:p>
@@ -3078,7 +3078,7 @@
           <a:p>
             <a:fld id="{CBED62B7-A59C-49BA-8607-B67BC401B26A}" type="datetimeFigureOut">
               <a:rPr lang="en-AU" smtClean="0"/>
-              <a:t>27/10/2014</a:t>
+              <a:t>28/10/2014</a:t>
             </a:fld>
             <a:endParaRPr lang="en-AU"/>
           </a:p>
@@ -3761,8 +3761,8 @@
         </p:nvSpPr>
         <p:spPr>
           <a:xfrm>
-            <a:off x="1069340" y="3096765"/>
-            <a:ext cx="9445837" cy="12276000"/>
+            <a:off x="612280" y="3096765"/>
+            <a:ext cx="9902897" cy="12276000"/>
           </a:xfrm>
           <a:prstGeom prst="rect">
             <a:avLst/>
@@ -3961,7 +3961,7 @@
         <p:spPr>
           <a:xfrm>
             <a:off x="10871623" y="3096765"/>
-            <a:ext cx="9445837" cy="12276000"/>
+            <a:ext cx="9830889" cy="12276000"/>
           </a:xfrm>
           <a:prstGeom prst="rect">
             <a:avLst/>
@@ -4117,7 +4117,7 @@
             </a:pPr>
             <a:r>
               <a:rPr lang="en-AU" sz="4400" dirty="0" smtClean="0"/>
-              <a:t>General Enhancements</a:t>
+              <a:t> General Enhancements</a:t>
             </a:r>
             <a:endParaRPr lang="en-AU" sz="4400" dirty="0"/>
           </a:p>
@@ -4206,8 +4206,8 @@
         </p:nvSpPr>
         <p:spPr>
           <a:xfrm>
-            <a:off x="1069340" y="15681411"/>
-            <a:ext cx="9445837" cy="12276000"/>
+            <a:off x="612280" y="15681411"/>
+            <a:ext cx="9902897" cy="12276000"/>
           </a:xfrm>
           <a:prstGeom prst="rect">
             <a:avLst/>
@@ -4406,7 +4406,7 @@
         <p:spPr>
           <a:xfrm>
             <a:off x="10871623" y="15681411"/>
-            <a:ext cx="9445837" cy="12276000"/>
+            <a:ext cx="9830889" cy="12276000"/>
           </a:xfrm>
           <a:prstGeom prst="rect">
             <a:avLst/>
@@ -4562,7 +4562,7 @@
             </a:pPr>
             <a:r>
               <a:rPr lang="en-AU" sz="4400" dirty="0" smtClean="0"/>
-              <a:t>Add Video Functionality</a:t>
+              <a:t> Add Video Functionality</a:t>
             </a:r>
             <a:endParaRPr lang="en-AU" sz="4400" dirty="0"/>
           </a:p>
@@ -4606,7 +4606,7 @@
         </p:blipFill>
         <p:spPr>
           <a:xfrm>
-            <a:off x="3132560" y="5850955"/>
+            <a:off x="2772520" y="5850955"/>
             <a:ext cx="5348023" cy="3132594"/>
           </a:xfrm>
           <a:prstGeom prst="rect">
@@ -4622,8 +4622,8 @@
         </p:nvCxnSpPr>
         <p:spPr>
           <a:xfrm flipH="1" flipV="1">
-            <a:off x="6804968" y="7867179"/>
-            <a:ext cx="1368152" cy="1584176"/>
+            <a:off x="6444928" y="7795171"/>
+            <a:ext cx="1800200" cy="1656184"/>
           </a:xfrm>
           <a:prstGeom prst="straightConnector1">
             <a:avLst/>
@@ -4662,7 +4662,7 @@
         </p:blipFill>
         <p:spPr>
           <a:xfrm>
-            <a:off x="1980432" y="10284258"/>
+            <a:off x="1548384" y="10243443"/>
             <a:ext cx="3098800" cy="2188334"/>
           </a:xfrm>
           <a:prstGeom prst="rect">
@@ -4683,8 +4683,8 @@
         </p:nvCxnSpPr>
         <p:spPr>
           <a:xfrm flipV="1">
-            <a:off x="3492600" y="8299227"/>
-            <a:ext cx="2088232" cy="1800200"/>
+            <a:off x="3204568" y="8299227"/>
+            <a:ext cx="2016224" cy="1728192"/>
           </a:xfrm>
           <a:prstGeom prst="straightConnector1">
             <a:avLst/>
@@ -4716,7 +4716,7 @@
         </p:nvSpPr>
         <p:spPr>
           <a:xfrm>
-            <a:off x="2124448" y="4482803"/>
+            <a:off x="1908424" y="4554811"/>
             <a:ext cx="7056784" cy="1015663"/>
           </a:xfrm>
           <a:prstGeom prst="rect">
@@ -4747,7 +4747,7 @@
         </p:nvSpPr>
         <p:spPr>
           <a:xfrm>
-            <a:off x="1548384" y="12547699"/>
+            <a:off x="1044328" y="12506884"/>
             <a:ext cx="4104456" cy="1938992"/>
           </a:xfrm>
           <a:prstGeom prst="rect">
@@ -4826,14 +4826,14 @@
           <p:nvPr>
             <p:extLst>
               <p:ext uri="{D42A27DB-BD31-4B8C-83A1-F6EECF244321}">
-                <p14:modId xmlns:p14="http://schemas.microsoft.com/office/powerpoint/2010/main" val="3237750079"/>
+                <p14:modId xmlns:p14="http://schemas.microsoft.com/office/powerpoint/2010/main" val="1008650637"/>
               </p:ext>
             </p:extLst>
           </p:nvPr>
         </p:nvGraphicFramePr>
         <p:xfrm>
           <a:off x="10909424" y="4482803"/>
-          <a:ext cx="9361040" cy="10801201"/>
+          <a:ext cx="9793088" cy="10873207"/>
         </p:xfrm>
         <a:graphic>
           <a:graphicData uri="http://schemas.openxmlformats.org/drawingml/2006/table">
@@ -4842,10 +4842,10 @@
                 <a:tableStyleId>{5940675A-B579-460E-94D1-54222C63F5DA}</a:tableStyleId>
               </a:tblPr>
               <a:tblGrid>
-                <a:gridCol w="4680520"/>
-                <a:gridCol w="4680520"/>
+                <a:gridCol w="4896544"/>
+                <a:gridCol w="4896544"/>
               </a:tblGrid>
-              <a:tr h="1429738">
+              <a:tr h="1439269">
                 <a:tc>
                   <a:txBody>
                     <a:bodyPr/>
@@ -4877,7 +4877,7 @@
                   <a:tcPr/>
                 </a:tc>
               </a:tr>
-              <a:tr h="3123821">
+              <a:tr h="3144646">
                 <a:tc>
                   <a:txBody>
                     <a:bodyPr/>
@@ -4899,7 +4899,7 @@
                   <a:tcPr/>
                 </a:tc>
               </a:tr>
-              <a:tr h="3123821">
+              <a:tr h="3144646">
                 <a:tc>
                   <a:txBody>
                     <a:bodyPr/>
@@ -4921,7 +4921,7 @@
                   <a:tcPr/>
                 </a:tc>
               </a:tr>
-              <a:tr h="3123821">
+              <a:tr h="3144646">
                 <a:tc>
                   <a:txBody>
                     <a:bodyPr/>
@@ -4989,7 +4989,7 @@
         </p:blipFill>
         <p:spPr bwMode="auto">
           <a:xfrm>
-            <a:off x="15661952" y="6066979"/>
+            <a:off x="16021992" y="6066979"/>
             <a:ext cx="4536504" cy="2808312"/>
           </a:xfrm>
           <a:prstGeom prst="rect">
@@ -5016,7 +5016,7 @@
         </p:blipFill>
         <p:spPr bwMode="auto">
           <a:xfrm>
-            <a:off x="10981432" y="9163323"/>
+            <a:off x="11125448" y="9163323"/>
             <a:ext cx="4536504" cy="2808312"/>
           </a:xfrm>
           <a:prstGeom prst="rect">
@@ -5043,7 +5043,7 @@
         </p:blipFill>
         <p:spPr bwMode="auto">
           <a:xfrm>
-            <a:off x="15661952" y="9235331"/>
+            <a:off x="16021992" y="9235331"/>
             <a:ext cx="4536504" cy="2808312"/>
           </a:xfrm>
           <a:prstGeom prst="rect">
@@ -5070,7 +5070,7 @@
         </p:blipFill>
         <p:spPr bwMode="auto">
           <a:xfrm>
-            <a:off x="10981431" y="12763723"/>
+            <a:off x="11053439" y="12763723"/>
             <a:ext cx="4536505" cy="1800225"/>
           </a:xfrm>
           <a:prstGeom prst="rect">
@@ -5097,7 +5097,7 @@
         </p:blipFill>
         <p:spPr bwMode="auto">
           <a:xfrm>
-            <a:off x="15661953" y="12835731"/>
+            <a:off x="16021992" y="12835731"/>
             <a:ext cx="4536504" cy="1512168"/>
           </a:xfrm>
           <a:prstGeom prst="rect">
@@ -5125,7 +5125,7 @@
         </p:blipFill>
         <p:spPr>
           <a:xfrm>
-            <a:off x="1620392" y="17084203"/>
+            <a:off x="972320" y="17084203"/>
             <a:ext cx="6223242" cy="4248472"/>
           </a:xfrm>
           <a:prstGeom prst="rect">
@@ -5173,7 +5173,7 @@
         <p:spPr bwMode="auto">
           <a:xfrm>
             <a:off x="11341472" y="16868179"/>
-            <a:ext cx="8496944" cy="3096344"/>
+            <a:ext cx="8712968" cy="3096344"/>
           </a:xfrm>
           <a:prstGeom prst="rect">
             <a:avLst/>
@@ -5202,7 +5202,7 @@
         <p:spPr bwMode="auto">
           <a:xfrm>
             <a:off x="11341472" y="20108539"/>
-            <a:ext cx="8424936" cy="792088"/>
+            <a:ext cx="8712968" cy="792088"/>
           </a:xfrm>
           <a:prstGeom prst="rect">
             <a:avLst/>
@@ -5252,7 +5252,7 @@
         </p:nvSpPr>
         <p:spPr>
           <a:xfrm>
-            <a:off x="6804968" y="17012195"/>
+            <a:off x="6228904" y="17012195"/>
             <a:ext cx="1080120" cy="1872208"/>
           </a:xfrm>
           <a:prstGeom prst="rect">
@@ -5280,7 +5280,7 @@
         </p:nvSpPr>
         <p:spPr>
           <a:xfrm>
-            <a:off x="1548384" y="20684603"/>
+            <a:off x="900312" y="20684603"/>
             <a:ext cx="3168352" cy="648072"/>
           </a:xfrm>
           <a:prstGeom prst="rect">
@@ -5372,7 +5372,7 @@
         <p:spPr bwMode="auto">
           <a:xfrm>
             <a:off x="16021992" y="21116651"/>
-            <a:ext cx="3744416" cy="2520280"/>
+            <a:ext cx="4032448" cy="2520280"/>
           </a:xfrm>
           <a:prstGeom prst="rect">
             <a:avLst/>
@@ -5402,7 +5402,7 @@
         <p:spPr>
           <a:xfrm>
             <a:off x="16166008" y="21476691"/>
-            <a:ext cx="1728192" cy="1175171"/>
+            <a:ext cx="1872208" cy="1175171"/>
           </a:xfrm>
           <a:prstGeom prst="rect">
             <a:avLst/>
@@ -5426,7 +5426,7 @@
         <p:spPr>
           <a:xfrm>
             <a:off x="13789744" y="23924963"/>
-            <a:ext cx="5976664" cy="3469356"/>
+            <a:ext cx="6264696" cy="3469356"/>
           </a:xfrm>
           <a:prstGeom prst="rect">
             <a:avLst/>
@@ -5812,7 +5812,7 @@
         </p:nvSpPr>
         <p:spPr>
           <a:xfrm>
-            <a:off x="7813080" y="17084203"/>
+            <a:off x="7525048" y="17084203"/>
             <a:ext cx="2664296" cy="3477875"/>
           </a:xfrm>
           <a:prstGeom prst="rect">
@@ -5843,7 +5843,7 @@
         </p:nvSpPr>
         <p:spPr>
           <a:xfrm>
-            <a:off x="1188344" y="22628819"/>
+            <a:off x="900312" y="22628819"/>
             <a:ext cx="2664296" cy="3170099"/>
           </a:xfrm>
           <a:prstGeom prst="rect">
